--- a/Sriraj-Penjerla/Presentation_Glucosense.pptx
+++ b/Sriraj-Penjerla/Presentation_Glucosense.pptx
@@ -5,7 +5,7 @@
     <p:sldMasterId id="2147483696" r:id="rId1"/>
   </p:sldMasterIdLst>
   <p:notesMasterIdLst>
-    <p:notesMasterId r:id="rId23"/>
+    <p:notesMasterId r:id="rId22"/>
   </p:notesMasterIdLst>
   <p:sldIdLst>
     <p:sldId id="256" r:id="rId2"/>
@@ -19,16 +19,15 @@
     <p:sldId id="275" r:id="rId10"/>
     <p:sldId id="262" r:id="rId11"/>
     <p:sldId id="263" r:id="rId12"/>
-    <p:sldId id="264" r:id="rId13"/>
-    <p:sldId id="265" r:id="rId14"/>
-    <p:sldId id="269" r:id="rId15"/>
-    <p:sldId id="266" r:id="rId16"/>
-    <p:sldId id="267" r:id="rId17"/>
-    <p:sldId id="268" r:id="rId18"/>
-    <p:sldId id="270" r:id="rId19"/>
-    <p:sldId id="271" r:id="rId20"/>
-    <p:sldId id="273" r:id="rId21"/>
-    <p:sldId id="272" r:id="rId22"/>
+    <p:sldId id="265" r:id="rId13"/>
+    <p:sldId id="269" r:id="rId14"/>
+    <p:sldId id="266" r:id="rId15"/>
+    <p:sldId id="267" r:id="rId16"/>
+    <p:sldId id="268" r:id="rId17"/>
+    <p:sldId id="270" r:id="rId18"/>
+    <p:sldId id="271" r:id="rId19"/>
+    <p:sldId id="273" r:id="rId20"/>
+    <p:sldId id="272" r:id="rId21"/>
   </p:sldIdLst>
   <p:sldSz cx="12192000" cy="6858000"/>
   <p:notesSz cx="6858000" cy="9144000"/>
@@ -6778,7 +6777,7 @@
           <a:p>
             <a:fld id="{AA94E9DC-F232-41DE-9F3C-E2462F787345}" type="slidenum">
               <a:rPr lang="en-IN" smtClean="0"/>
-              <a:t>14</a:t>
+              <a:t>13</a:t>
             </a:fld>
             <a:endParaRPr lang="en-IN"/>
           </a:p>
@@ -6862,7 +6861,7 @@
           <a:p>
             <a:fld id="{AA94E9DC-F232-41DE-9F3C-E2462F787345}" type="slidenum">
               <a:rPr lang="en-IN" smtClean="0"/>
-              <a:t>20</a:t>
+              <a:t>19</a:t>
             </a:fld>
             <a:endParaRPr lang="en-IN"/>
           </a:p>
@@ -16259,7 +16258,7 @@
               </a:lnSpc>
             </a:pPr>
             <a:r>
-              <a:rPr lang="en-US">
+              <a:rPr lang="en-US" sz="1600" dirty="0">
                 <a:latin typeface="Times New Roman" panose="02020603050405020304" pitchFamily="18" charset="0"/>
                 <a:cs typeface="Times New Roman" panose="02020603050405020304" pitchFamily="18" charset="0"/>
               </a:rPr>
@@ -16275,18 +16274,31 @@
               <a:buChar char="•"/>
             </a:pPr>
             <a:r>
-              <a:rPr lang="en-US" b="1">
+              <a:rPr lang="en-US" sz="1600" b="1" dirty="0">
                 <a:latin typeface="Times New Roman" panose="02020603050405020304" pitchFamily="18" charset="0"/>
                 <a:cs typeface="Times New Roman" panose="02020603050405020304" pitchFamily="18" charset="0"/>
               </a:rPr>
               <a:t>Logistic Regression</a:t>
             </a:r>
+            <a:endParaRPr lang="en-US" sz="1600" dirty="0">
+              <a:latin typeface="Times New Roman" panose="02020603050405020304" pitchFamily="18" charset="0"/>
+              <a:cs typeface="Times New Roman" panose="02020603050405020304" pitchFamily="18" charset="0"/>
+            </a:endParaRPr>
+          </a:p>
+          <a:p>
+            <a:pPr>
+              <a:lnSpc>
+                <a:spcPct val="90000"/>
+              </a:lnSpc>
+              <a:buFont typeface="Arial" panose="020B0604020202020204" pitchFamily="34" charset="0"/>
+              <a:buChar char="•"/>
+            </a:pPr>
             <a:r>
-              <a:rPr lang="en-US">
+              <a:rPr lang="en-US" sz="1600" b="1" dirty="0">
                 <a:latin typeface="Times New Roman" panose="02020603050405020304" pitchFamily="18" charset="0"/>
                 <a:cs typeface="Times New Roman" panose="02020603050405020304" pitchFamily="18" charset="0"/>
               </a:rPr>
-              <a:t>: A simple, interpretable model that estimates the probability of diabetes using a sigmoid function.</a:t>
+              <a:t>Decision Tree</a:t>
             </a:r>
           </a:p>
           <a:p>
@@ -16298,28 +16310,60 @@
               <a:buChar char="•"/>
             </a:pPr>
             <a:r>
-              <a:rPr lang="en-US" b="1">
+              <a:rPr lang="en-US" sz="1600" b="1" dirty="0">
                 <a:latin typeface="Times New Roman" panose="02020603050405020304" pitchFamily="18" charset="0"/>
                 <a:cs typeface="Times New Roman" panose="02020603050405020304" pitchFamily="18" charset="0"/>
               </a:rPr>
-              <a:t>Decision Tree</a:t>
+              <a:t>Random Forest</a:t>
             </a:r>
+            <a:endParaRPr lang="en-US" sz="1600" dirty="0">
+              <a:latin typeface="Times New Roman" panose="02020603050405020304" pitchFamily="18" charset="0"/>
+              <a:cs typeface="Times New Roman" panose="02020603050405020304" pitchFamily="18" charset="0"/>
+            </a:endParaRPr>
+          </a:p>
+          <a:p>
+            <a:pPr algn="just">
+              <a:buFont typeface="Arial" panose="020B0604020202020204" pitchFamily="34" charset="0"/>
+              <a:buChar char="•"/>
+            </a:pPr>
             <a:r>
-              <a:rPr lang="en-US">
+              <a:rPr lang="en-US" sz="1600" b="1" dirty="0">
                 <a:latin typeface="Times New Roman" panose="02020603050405020304" pitchFamily="18" charset="0"/>
                 <a:cs typeface="Times New Roman" panose="02020603050405020304" pitchFamily="18" charset="0"/>
               </a:rPr>
-              <a:t>: A tree-based model that splits data into branches for decision-making, offering straightforward interpretation.</a:t>
+              <a:t>Gradient Boosting</a:t>
+            </a:r>
+            <a:endParaRPr lang="en-US" sz="1600" dirty="0">
+              <a:latin typeface="Times New Roman" panose="02020603050405020304" pitchFamily="18" charset="0"/>
+              <a:cs typeface="Times New Roman" panose="02020603050405020304" pitchFamily="18" charset="0"/>
+            </a:endParaRPr>
+          </a:p>
+          <a:p>
+            <a:pPr algn="just">
+              <a:buFont typeface="Arial" panose="020B0604020202020204" pitchFamily="34" charset="0"/>
+              <a:buChar char="•"/>
+            </a:pPr>
+            <a:r>
+              <a:rPr lang="en-US" sz="1600" b="1" dirty="0">
+                <a:latin typeface="Times New Roman" panose="02020603050405020304" pitchFamily="18" charset="0"/>
+                <a:cs typeface="Times New Roman" panose="02020603050405020304" pitchFamily="18" charset="0"/>
+              </a:rPr>
+              <a:t>Extra Trees</a:t>
             </a:r>
           </a:p>
           <a:p>
-            <a:pPr marL="0" indent="0">
-              <a:lnSpc>
-                <a:spcPct val="90000"/>
-              </a:lnSpc>
-              <a:buNone/>
+            <a:pPr algn="just">
+              <a:buFont typeface="Arial" panose="020B0604020202020204" pitchFamily="34" charset="0"/>
+              <a:buChar char="•"/>
             </a:pPr>
-            <a:endParaRPr lang="en-IN"/>
+            <a:r>
+              <a:rPr lang="en-IN" sz="1600" b="1" dirty="0">
+                <a:latin typeface="Times New Roman" panose="02020603050405020304" pitchFamily="18" charset="0"/>
+                <a:cs typeface="Times New Roman" panose="02020603050405020304" pitchFamily="18" charset="0"/>
+              </a:rPr>
+              <a:t>Support Vector Classifier</a:t>
+            </a:r>
+            <a:endParaRPr lang="en-IN" dirty="0"/>
           </a:p>
         </p:txBody>
       </p:sp>
@@ -16337,176 +16381,6 @@
 </file>
 
 <file path=ppt/slides/slide12.xml><?xml version="1.0" encoding="utf-8"?>
-<p:sld xmlns:a="http://schemas.openxmlformats.org/drawingml/2006/main" xmlns:r="http://schemas.openxmlformats.org/officeDocument/2006/relationships" xmlns:p="http://schemas.openxmlformats.org/presentationml/2006/main">
-  <p:cSld>
-    <p:spTree>
-      <p:nvGrpSpPr>
-        <p:cNvPr id="1" name=""/>
-        <p:cNvGrpSpPr/>
-        <p:nvPr/>
-      </p:nvGrpSpPr>
-      <p:grpSpPr>
-        <a:xfrm>
-          <a:off x="0" y="0"/>
-          <a:ext cx="0" cy="0"/>
-          <a:chOff x="0" y="0"/>
-          <a:chExt cx="0" cy="0"/>
-        </a:xfrm>
-      </p:grpSpPr>
-      <p:sp>
-        <p:nvSpPr>
-          <p:cNvPr id="3" name="Content Placeholder 2">
-            <a:extLst>
-              <a:ext uri="{FF2B5EF4-FFF2-40B4-BE49-F238E27FC236}">
-                <a16:creationId xmlns:a16="http://schemas.microsoft.com/office/drawing/2014/main" id="{BE78D1BA-4E42-14B2-07C0-E90EF97CD82F}"/>
-              </a:ext>
-            </a:extLst>
-          </p:cNvPr>
-          <p:cNvSpPr>
-            <a:spLocks noGrp="1"/>
-          </p:cNvSpPr>
-          <p:nvPr>
-            <p:ph idx="1"/>
-          </p:nvPr>
-        </p:nvSpPr>
-        <p:spPr>
-          <a:xfrm>
-            <a:off x="1597689" y="1343845"/>
-            <a:ext cx="10001918" cy="4351338"/>
-          </a:xfrm>
-        </p:spPr>
-        <p:txBody>
-          <a:bodyPr>
-            <a:normAutofit/>
-          </a:bodyPr>
-          <a:lstStyle/>
-          <a:p>
-            <a:pPr algn="just">
-              <a:buFont typeface="Arial" panose="020B0604020202020204" pitchFamily="34" charset="0"/>
-              <a:buChar char="•"/>
-            </a:pPr>
-            <a:r>
-              <a:rPr lang="en-US" sz="2000" b="1" dirty="0">
-                <a:latin typeface="Times New Roman" panose="02020603050405020304" pitchFamily="18" charset="0"/>
-                <a:cs typeface="Times New Roman" panose="02020603050405020304" pitchFamily="18" charset="0"/>
-              </a:rPr>
-              <a:t>Random Forest</a:t>
-            </a:r>
-            <a:r>
-              <a:rPr lang="en-US" sz="2000" dirty="0">
-                <a:latin typeface="Times New Roman" panose="02020603050405020304" pitchFamily="18" charset="0"/>
-                <a:cs typeface="Times New Roman" panose="02020603050405020304" pitchFamily="18" charset="0"/>
-              </a:rPr>
-              <a:t>: An ensemble method combining multiple decision trees to improve accuracy and reduce overfitting.</a:t>
-            </a:r>
-          </a:p>
-          <a:p>
-            <a:pPr algn="just">
-              <a:buFont typeface="Arial" panose="020B0604020202020204" pitchFamily="34" charset="0"/>
-              <a:buChar char="•"/>
-            </a:pPr>
-            <a:r>
-              <a:rPr lang="en-US" sz="2000" b="1" dirty="0">
-                <a:latin typeface="Times New Roman" panose="02020603050405020304" pitchFamily="18" charset="0"/>
-                <a:cs typeface="Times New Roman" panose="02020603050405020304" pitchFamily="18" charset="0"/>
-              </a:rPr>
-              <a:t>Gradient Boosting</a:t>
-            </a:r>
-            <a:r>
-              <a:rPr lang="en-US" sz="2000" dirty="0">
-                <a:latin typeface="Times New Roman" panose="02020603050405020304" pitchFamily="18" charset="0"/>
-                <a:cs typeface="Times New Roman" panose="02020603050405020304" pitchFamily="18" charset="0"/>
-              </a:rPr>
-              <a:t>: Sequentially builds models to minimize errors, ensuring high performance.</a:t>
-            </a:r>
-          </a:p>
-          <a:p>
-            <a:pPr algn="just">
-              <a:buFont typeface="Arial" panose="020B0604020202020204" pitchFamily="34" charset="0"/>
-              <a:buChar char="•"/>
-            </a:pPr>
-            <a:r>
-              <a:rPr lang="en-US" sz="2000" b="1" dirty="0">
-                <a:latin typeface="Times New Roman" panose="02020603050405020304" pitchFamily="18" charset="0"/>
-                <a:cs typeface="Times New Roman" panose="02020603050405020304" pitchFamily="18" charset="0"/>
-              </a:rPr>
-              <a:t>Extra Trees</a:t>
-            </a:r>
-            <a:r>
-              <a:rPr lang="en-US" sz="2000" dirty="0">
-                <a:latin typeface="Times New Roman" panose="02020603050405020304" pitchFamily="18" charset="0"/>
-                <a:cs typeface="Times New Roman" panose="02020603050405020304" pitchFamily="18" charset="0"/>
-              </a:rPr>
-              <a:t>: Similar to Random Forest but uses randomized splits for feature thresholds, increasing diversity and robustness.</a:t>
-            </a:r>
-          </a:p>
-          <a:p>
-            <a:pPr algn="just"/>
-            <a:r>
-              <a:rPr lang="en-IN" sz="2000" b="1" dirty="0" err="1">
-                <a:latin typeface="Times New Roman" panose="02020603050405020304" pitchFamily="18" charset="0"/>
-                <a:cs typeface="Times New Roman" panose="02020603050405020304" pitchFamily="18" charset="0"/>
-              </a:rPr>
-              <a:t>XGBoost</a:t>
-            </a:r>
-            <a:r>
-              <a:rPr lang="en-IN" sz="2000" b="1" dirty="0">
-                <a:latin typeface="Times New Roman" panose="02020603050405020304" pitchFamily="18" charset="0"/>
-                <a:cs typeface="Times New Roman" panose="02020603050405020304" pitchFamily="18" charset="0"/>
-              </a:rPr>
-              <a:t>: </a:t>
-            </a:r>
-            <a:r>
-              <a:rPr lang="en-US" sz="2000" b="0" i="0" u="none" strike="noStrike" baseline="0" dirty="0" err="1">
-                <a:solidFill>
-                  <a:srgbClr val="000000"/>
-                </a:solidFill>
-                <a:latin typeface="Times New Roman" panose="02020603050405020304" pitchFamily="18" charset="0"/>
-                <a:cs typeface="Times New Roman" panose="02020603050405020304" pitchFamily="18" charset="0"/>
-              </a:rPr>
-              <a:t>XGBoost</a:t>
-            </a:r>
-            <a:r>
-              <a:rPr lang="en-US" sz="2000" dirty="0">
-                <a:solidFill>
-                  <a:srgbClr val="000000"/>
-                </a:solidFill>
-                <a:latin typeface="Times New Roman" panose="02020603050405020304" pitchFamily="18" charset="0"/>
-                <a:cs typeface="Times New Roman" panose="02020603050405020304" pitchFamily="18" charset="0"/>
-              </a:rPr>
-              <a:t> </a:t>
-            </a:r>
-            <a:r>
-              <a:rPr lang="en-US" sz="2000" b="0" i="0" u="none" strike="noStrike" baseline="0" dirty="0">
-                <a:solidFill>
-                  <a:srgbClr val="000000"/>
-                </a:solidFill>
-                <a:latin typeface="Times New Roman" panose="02020603050405020304" pitchFamily="18" charset="0"/>
-                <a:cs typeface="Times New Roman" panose="02020603050405020304" pitchFamily="18" charset="0"/>
-              </a:rPr>
-              <a:t>enhances performance through optimized tree construction, regularization to prevent overfitting, and support for parallel processing, making it ideal for structured data tasks. </a:t>
-            </a:r>
-            <a:endParaRPr lang="en-IN" sz="2000" b="1" dirty="0">
-              <a:latin typeface="Times New Roman" panose="02020603050405020304" pitchFamily="18" charset="0"/>
-              <a:cs typeface="Times New Roman" panose="02020603050405020304" pitchFamily="18" charset="0"/>
-            </a:endParaRPr>
-          </a:p>
-        </p:txBody>
-      </p:sp>
-    </p:spTree>
-    <p:extLst>
-      <p:ext uri="{BB962C8B-B14F-4D97-AF65-F5344CB8AC3E}">
-        <p14:creationId xmlns:p14="http://schemas.microsoft.com/office/powerpoint/2010/main" val="3158872954"/>
-      </p:ext>
-    </p:extLst>
-  </p:cSld>
-  <p:clrMapOvr>
-    <a:masterClrMapping/>
-  </p:clrMapOvr>
-</p:sld>
-</file>
-
-<file path=ppt/slides/slide13.xml><?xml version="1.0" encoding="utf-8"?>
 <p:sld xmlns:a="http://schemas.openxmlformats.org/drawingml/2006/main" xmlns:r="http://schemas.openxmlformats.org/officeDocument/2006/relationships" xmlns:p="http://schemas.openxmlformats.org/presentationml/2006/main">
   <p:cSld>
     <p:bg>
@@ -16604,59 +16478,6 @@
           </a:p>
         </p:txBody>
       </p:sp>
-      <p:pic>
-        <p:nvPicPr>
-          <p:cNvPr id="24" name="Picture 23" descr="Colorful rulers and protractors">
-            <a:extLst>
-              <a:ext uri="{FF2B5EF4-FFF2-40B4-BE49-F238E27FC236}">
-                <a16:creationId xmlns:a16="http://schemas.microsoft.com/office/drawing/2014/main" id="{9BA1BB22-CDEC-03B8-5BB7-3D081CED8FBF}"/>
-              </a:ext>
-            </a:extLst>
-          </p:cNvPr>
-          <p:cNvPicPr>
-            <a:picLocks noChangeAspect="1"/>
-          </p:cNvPicPr>
-          <p:nvPr/>
-        </p:nvPicPr>
-        <p:blipFill>
-          <a:blip r:embed="rId3"/>
-          <a:srcRect l="24428" r="24188"/>
-          <a:stretch/>
-        </p:blipFill>
-        <p:spPr>
-          <a:xfrm>
-            <a:off x="6892924" y="10"/>
-            <a:ext cx="5299077" cy="6857990"/>
-          </a:xfrm>
-          <a:custGeom>
-            <a:avLst/>
-            <a:gdLst/>
-            <a:ahLst/>
-            <a:cxnLst/>
-            <a:rect l="l" t="t" r="r" b="b"/>
-            <a:pathLst>
-              <a:path w="5299077" h="6858000">
-                <a:moveTo>
-                  <a:pt x="836871" y="0"/>
-                </a:moveTo>
-                <a:lnTo>
-                  <a:pt x="5299077" y="0"/>
-                </a:lnTo>
-                <a:lnTo>
-                  <a:pt x="5299077" y="6858000"/>
-                </a:lnTo>
-                <a:lnTo>
-                  <a:pt x="1911312" y="6858000"/>
-                </a:lnTo>
-                <a:lnTo>
-                  <a:pt x="0" y="5333999"/>
-                </a:lnTo>
-                <a:close/>
-              </a:path>
-            </a:pathLst>
-          </a:custGeom>
-        </p:spPr>
-      </p:pic>
       <p:grpSp>
         <p:nvGrpSpPr>
           <p:cNvPr id="25" name="Group 24">
@@ -17294,7 +17115,7 @@
 </p:sld>
 </file>
 
-<file path=ppt/slides/slide14.xml><?xml version="1.0" encoding="utf-8"?>
+<file path=ppt/slides/slide13.xml><?xml version="1.0" encoding="utf-8"?>
 <p:sld xmlns:a="http://schemas.openxmlformats.org/drawingml/2006/main" xmlns:r="http://schemas.openxmlformats.org/officeDocument/2006/relationships" xmlns:p="http://schemas.openxmlformats.org/presentationml/2006/main">
   <p:cSld>
     <p:spTree>
@@ -17393,7 +17214,7 @@
 </p:sld>
 </file>
 
-<file path=ppt/slides/slide15.xml><?xml version="1.0" encoding="utf-8"?>
+<file path=ppt/slides/slide14.xml><?xml version="1.0" encoding="utf-8"?>
 <p:sld xmlns:a="http://schemas.openxmlformats.org/drawingml/2006/main" xmlns:r="http://schemas.openxmlformats.org/officeDocument/2006/relationships" xmlns:p="http://schemas.openxmlformats.org/presentationml/2006/main">
   <p:cSld>
     <p:bg>
@@ -18026,10 +17847,10 @@
       </p:sp>
       <p:pic>
         <p:nvPicPr>
-          <p:cNvPr id="9" name="Content Placeholder 8" descr="A table with numbers and text&#10;&#10;Description automatically generated">
+          <p:cNvPr id="4" name="Picture 3">
             <a:extLst>
               <a:ext uri="{FF2B5EF4-FFF2-40B4-BE49-F238E27FC236}">
-                <a16:creationId xmlns:a16="http://schemas.microsoft.com/office/drawing/2014/main" id="{D1752462-EB5A-6EAF-6AB1-07310BD63673}"/>
+                <a16:creationId xmlns:a16="http://schemas.microsoft.com/office/drawing/2014/main" id="{2A1060BA-AB91-4864-B074-DAFC66C95AF9}"/>
               </a:ext>
             </a:extLst>
           </p:cNvPr>
@@ -18039,21 +17860,15 @@
           <p:nvPr/>
         </p:nvPicPr>
         <p:blipFill>
-          <a:blip r:embed="rId3">
-            <a:extLst>
-              <a:ext uri="{28A0092B-C50C-407E-A947-70E740481C1C}">
-                <a14:useLocalDpi xmlns:a14="http://schemas.microsoft.com/office/drawing/2010/main" val="0"/>
-              </a:ext>
-            </a:extLst>
-          </a:blip>
+          <a:blip r:embed="rId3"/>
           <a:stretch>
             <a:fillRect/>
           </a:stretch>
         </p:blipFill>
         <p:spPr>
           <a:xfrm>
-            <a:off x="4941202" y="1699751"/>
-            <a:ext cx="6237359" cy="3170736"/>
+            <a:off x="5019418" y="1670040"/>
+            <a:ext cx="6085349" cy="3230155"/>
           </a:xfrm>
           <a:prstGeom prst="rect">
             <a:avLst/>
@@ -18073,7 +17888,7 @@
 </p:sld>
 </file>
 
-<file path=ppt/slides/slide16.xml><?xml version="1.0" encoding="utf-8"?>
+<file path=ppt/slides/slide15.xml><?xml version="1.0" encoding="utf-8"?>
 <p:sld xmlns:a="http://schemas.openxmlformats.org/drawingml/2006/main" xmlns:r="http://schemas.openxmlformats.org/officeDocument/2006/relationships" xmlns:p="http://schemas.openxmlformats.org/presentationml/2006/main">
   <p:cSld>
     <p:bg>
@@ -18614,7 +18429,7 @@
                 <a:latin typeface="Times New Roman" panose="02020603050405020304" pitchFamily="18" charset="0"/>
                 <a:cs typeface="Times New Roman" panose="02020603050405020304" pitchFamily="18" charset="0"/>
               </a:rPr>
-              <a:t>Evaluation metrics before hyperparameter tuning:</a:t>
+              <a:t>Evaluation metrics after hyperparameter tuning:</a:t>
             </a:r>
             <a:endParaRPr lang="en-IN" sz="3000" dirty="0"/>
           </a:p>
@@ -18707,10 +18522,10 @@
       </p:sp>
       <p:pic>
         <p:nvPicPr>
-          <p:cNvPr id="9" name="Content Placeholder 8" descr="A table with numbers and text&#10;&#10;Description automatically generated">
+          <p:cNvPr id="4" name="Picture 3">
             <a:extLst>
               <a:ext uri="{FF2B5EF4-FFF2-40B4-BE49-F238E27FC236}">
-                <a16:creationId xmlns:a16="http://schemas.microsoft.com/office/drawing/2014/main" id="{E4C65617-7F27-9180-27F1-B531F2B85A61}"/>
+                <a16:creationId xmlns:a16="http://schemas.microsoft.com/office/drawing/2014/main" id="{55E74907-0A72-4BAB-86AF-3F64E9B904D9}"/>
               </a:ext>
             </a:extLst>
           </p:cNvPr>
@@ -18720,21 +18535,15 @@
           <p:nvPr/>
         </p:nvPicPr>
         <p:blipFill>
-          <a:blip r:embed="rId3">
-            <a:extLst>
-              <a:ext uri="{28A0092B-C50C-407E-A947-70E740481C1C}">
-                <a14:useLocalDpi xmlns:a14="http://schemas.microsoft.com/office/drawing/2010/main" val="0"/>
-              </a:ext>
-            </a:extLst>
-          </a:blip>
+          <a:blip r:embed="rId3"/>
           <a:stretch>
             <a:fillRect/>
           </a:stretch>
         </p:blipFill>
         <p:spPr>
           <a:xfrm>
-            <a:off x="4941202" y="1661767"/>
-            <a:ext cx="6237359" cy="3246703"/>
+            <a:off x="4958201" y="1769044"/>
+            <a:ext cx="6258130" cy="3048053"/>
           </a:xfrm>
           <a:prstGeom prst="rect">
             <a:avLst/>
@@ -18754,7 +18563,7 @@
 </p:sld>
 </file>
 
-<file path=ppt/slides/slide17.xml><?xml version="1.0" encoding="utf-8"?>
+<file path=ppt/slides/slide16.xml><?xml version="1.0" encoding="utf-8"?>
 <p:sld xmlns:a="http://schemas.openxmlformats.org/drawingml/2006/main" xmlns:r="http://schemas.openxmlformats.org/officeDocument/2006/relationships" xmlns:p="http://schemas.openxmlformats.org/presentationml/2006/main">
   <p:cSld>
     <p:bg>
@@ -19868,36 +19677,28 @@
       </p:sp>
       <p:pic>
         <p:nvPicPr>
-          <p:cNvPr id="5" name="Content Placeholder 4" descr="A graph of different models&#10;&#10;Description automatically generated with medium confidence">
+          <p:cNvPr id="6" name="Picture 5">
             <a:extLst>
               <a:ext uri="{FF2B5EF4-FFF2-40B4-BE49-F238E27FC236}">
-                <a16:creationId xmlns:a16="http://schemas.microsoft.com/office/drawing/2014/main" id="{C4E47B72-52E9-4A04-B4B5-B30FA1210CAE}"/>
+                <a16:creationId xmlns:a16="http://schemas.microsoft.com/office/drawing/2014/main" id="{62C52E2F-897D-474D-BCC0-46DE37BBB9CF}"/>
               </a:ext>
             </a:extLst>
           </p:cNvPr>
           <p:cNvPicPr>
-            <a:picLocks noGrp="1" noChangeAspect="1"/>
+            <a:picLocks noChangeAspect="1"/>
           </p:cNvPicPr>
-          <p:nvPr>
-            <p:ph idx="1"/>
-          </p:nvPr>
+          <p:nvPr/>
         </p:nvPicPr>
         <p:blipFill>
-          <a:blip r:embed="rId3">
-            <a:extLst>
-              <a:ext uri="{28A0092B-C50C-407E-A947-70E740481C1C}">
-                <a14:useLocalDpi xmlns:a14="http://schemas.microsoft.com/office/drawing/2010/main" val="0"/>
-              </a:ext>
-            </a:extLst>
-          </a:blip>
+          <a:blip r:embed="rId3"/>
           <a:stretch>
             <a:fillRect/>
           </a:stretch>
         </p:blipFill>
         <p:spPr>
           <a:xfrm>
-            <a:off x="2279928" y="1657229"/>
-            <a:ext cx="8946872" cy="3534014"/>
+            <a:off x="1680019" y="985762"/>
+            <a:ext cx="9827855" cy="4886475"/>
           </a:xfrm>
           <a:prstGeom prst="rect">
             <a:avLst/>
@@ -19917,7 +19718,7 @@
 </p:sld>
 </file>
 
-<file path=ppt/slides/slide18.xml><?xml version="1.0" encoding="utf-8"?>
+<file path=ppt/slides/slide17.xml><?xml version="1.0" encoding="utf-8"?>
 <p:sld xmlns:a="http://schemas.openxmlformats.org/drawingml/2006/main" xmlns:r="http://schemas.openxmlformats.org/officeDocument/2006/relationships" xmlns:p="http://schemas.openxmlformats.org/presentationml/2006/main">
   <p:cSld>
     <p:bg>
@@ -20609,7 +20410,7 @@
               <a:rPr lang="en-US" sz="1600" b="0" i="0" u="none" strike="noStrike" baseline="0" dirty="0">
                 <a:latin typeface="Times New Roman" panose="02020603050405020304" pitchFamily="18" charset="0"/>
               </a:rPr>
-              <a:t>Extra Trees stand out as the most promising models due to their strong performance across all metrics. These model would likely be the preferred choices for a classification problem. So, I would like to choose Extra trees model. </a:t>
+              <a:t>Support Vector Classifier stand out as the most promising models due to their strong performance across all metrics. These model would likely be the preferred choices for a classification problem. So, I would like to choose Extra trees model. </a:t>
             </a:r>
           </a:p>
           <a:p>
@@ -20622,7 +20423,7 @@
               <a:rPr lang="en-US" sz="1600" b="0" i="0" u="none" strike="noStrike" baseline="0" dirty="0">
                 <a:latin typeface="Times New Roman" panose="02020603050405020304" pitchFamily="18" charset="0"/>
               </a:rPr>
-              <a:t>Here are the reasons to choose the Extra Trees model: </a:t>
+              <a:t>Here are the reasons to choose the SVC model: </a:t>
             </a:r>
           </a:p>
           <a:p>
@@ -20711,7 +20512,7 @@
 </p:sld>
 </file>
 
-<file path=ppt/slides/slide19.xml><?xml version="1.0" encoding="utf-8"?>
+<file path=ppt/slides/slide18.xml><?xml version="1.0" encoding="utf-8"?>
 <p:sld xmlns:a="http://schemas.openxmlformats.org/drawingml/2006/main" xmlns:r="http://schemas.openxmlformats.org/officeDocument/2006/relationships" xmlns:p="http://schemas.openxmlformats.org/presentationml/2006/main">
   <p:cSld>
     <p:bg>
@@ -22115,6 +21916,715 @@
 </p:sld>
 </file>
 
+<file path=ppt/slides/slide19.xml><?xml version="1.0" encoding="utf-8"?>
+<p:sld xmlns:a="http://schemas.openxmlformats.org/drawingml/2006/main" xmlns:r="http://schemas.openxmlformats.org/officeDocument/2006/relationships" xmlns:p="http://schemas.openxmlformats.org/presentationml/2006/main">
+  <p:cSld>
+    <p:bg>
+      <p:bgPr>
+        <a:blipFill rotWithShape="1">
+          <a:blip r:embed="rId3">
+            <a:duotone>
+              <a:schemeClr val="bg2">
+                <a:shade val="76000"/>
+                <a:satMod val="180000"/>
+              </a:schemeClr>
+              <a:schemeClr val="bg2">
+                <a:tint val="80000"/>
+                <a:satMod val="120000"/>
+                <a:lumMod val="180000"/>
+              </a:schemeClr>
+            </a:duotone>
+          </a:blip>
+          <a:stretch/>
+        </a:blipFill>
+        <a:effectLst/>
+      </p:bgPr>
+    </p:bg>
+    <p:spTree>
+      <p:nvGrpSpPr>
+        <p:cNvPr id="1" name=""/>
+        <p:cNvGrpSpPr/>
+        <p:nvPr/>
+      </p:nvGrpSpPr>
+      <p:grpSpPr>
+        <a:xfrm>
+          <a:off x="0" y="0"/>
+          <a:ext cx="0" cy="0"/>
+          <a:chOff x="0" y="0"/>
+          <a:chExt cx="0" cy="0"/>
+        </a:xfrm>
+      </p:grpSpPr>
+      <p:sp useBgFill="1">
+        <p:nvSpPr>
+          <p:cNvPr id="9" name="Rectangle 8">
+            <a:extLst>
+              <a:ext uri="{FF2B5EF4-FFF2-40B4-BE49-F238E27FC236}">
+                <a16:creationId xmlns:a16="http://schemas.microsoft.com/office/drawing/2014/main" id="{6AD30037-67ED-4367-9BE0-45787510BF13}"/>
+              </a:ext>
+              <a:ext uri="{C183D7F6-B498-43B3-948B-1728B52AA6E4}">
+                <adec:decorative xmlns:adec="http://schemas.microsoft.com/office/drawing/2017/decorative" val="1"/>
+              </a:ext>
+            </a:extLst>
+          </p:cNvPr>
+          <p:cNvSpPr>
+            <a:spLocks noGrp="1" noRot="1" noChangeAspect="1" noMove="1" noResize="1" noEditPoints="1" noAdjustHandles="1" noChangeArrowheads="1" noChangeShapeType="1" noTextEdit="1"/>
+          </p:cNvSpPr>
+          <p:nvPr>
+            <p:extLst>
+              <p:ext uri="{386F3935-93C4-4BCD-93E2-E3B085C9AB24}">
+                <p16:designElem xmlns:p16="http://schemas.microsoft.com/office/powerpoint/2015/main" val="1"/>
+              </p:ext>
+            </p:extLst>
+          </p:nvPr>
+        </p:nvSpPr>
+        <p:spPr>
+          <a:xfrm>
+            <a:off x="0" y="0"/>
+            <a:ext cx="12192000" cy="6858000"/>
+          </a:xfrm>
+          <a:prstGeom prst="rect">
+            <a:avLst/>
+          </a:prstGeom>
+          <a:ln>
+            <a:noFill/>
+          </a:ln>
+        </p:spPr>
+        <p:style>
+          <a:lnRef idx="2">
+            <a:schemeClr val="accent1">
+              <a:shade val="50000"/>
+            </a:schemeClr>
+          </a:lnRef>
+          <a:fillRef idx="1">
+            <a:schemeClr val="accent1"/>
+          </a:fillRef>
+          <a:effectRef idx="0">
+            <a:schemeClr val="accent1"/>
+          </a:effectRef>
+          <a:fontRef idx="minor">
+            <a:schemeClr val="lt1"/>
+          </a:fontRef>
+        </p:style>
+        <p:txBody>
+          <a:bodyPr rtlCol="0" anchor="ctr"/>
+          <a:lstStyle/>
+          <a:p>
+            <a:pPr algn="ctr"/>
+            <a:endParaRPr lang="en-US"/>
+          </a:p>
+        </p:txBody>
+      </p:sp>
+      <p:pic>
+        <p:nvPicPr>
+          <p:cNvPr id="5" name="Picture 4" descr="Digital financial graph">
+            <a:extLst>
+              <a:ext uri="{FF2B5EF4-FFF2-40B4-BE49-F238E27FC236}">
+                <a16:creationId xmlns:a16="http://schemas.microsoft.com/office/drawing/2014/main" id="{809F3E8A-115E-2608-7D9A-DE08B7BFBF4B}"/>
+              </a:ext>
+            </a:extLst>
+          </p:cNvPr>
+          <p:cNvPicPr>
+            <a:picLocks noChangeAspect="1"/>
+          </p:cNvPicPr>
+          <p:nvPr/>
+        </p:nvPicPr>
+        <p:blipFill>
+          <a:blip r:embed="rId4"/>
+          <a:srcRect l="35911" r="20625"/>
+          <a:stretch/>
+        </p:blipFill>
+        <p:spPr>
+          <a:xfrm>
+            <a:off x="6892924" y="10"/>
+            <a:ext cx="5299077" cy="6857990"/>
+          </a:xfrm>
+          <a:custGeom>
+            <a:avLst/>
+            <a:gdLst/>
+            <a:ahLst/>
+            <a:cxnLst/>
+            <a:rect l="l" t="t" r="r" b="b"/>
+            <a:pathLst>
+              <a:path w="5299077" h="6858000">
+                <a:moveTo>
+                  <a:pt x="836871" y="0"/>
+                </a:moveTo>
+                <a:lnTo>
+                  <a:pt x="5299077" y="0"/>
+                </a:lnTo>
+                <a:lnTo>
+                  <a:pt x="5299077" y="6858000"/>
+                </a:lnTo>
+                <a:lnTo>
+                  <a:pt x="1911312" y="6858000"/>
+                </a:lnTo>
+                <a:lnTo>
+                  <a:pt x="0" y="5333999"/>
+                </a:lnTo>
+                <a:close/>
+              </a:path>
+            </a:pathLst>
+          </a:custGeom>
+        </p:spPr>
+      </p:pic>
+      <p:grpSp>
+        <p:nvGrpSpPr>
+          <p:cNvPr id="11" name="Group 10">
+            <a:extLst>
+              <a:ext uri="{FF2B5EF4-FFF2-40B4-BE49-F238E27FC236}">
+                <a16:creationId xmlns:a16="http://schemas.microsoft.com/office/drawing/2014/main" id="{50841A4E-5BC1-44B4-83CF-D524E8AEAD64}"/>
+              </a:ext>
+              <a:ext uri="{C183D7F6-B498-43B3-948B-1728B52AA6E4}">
+                <adec:decorative xmlns:adec="http://schemas.microsoft.com/office/drawing/2017/decorative" val="1"/>
+              </a:ext>
+            </a:extLst>
+          </p:cNvPr>
+          <p:cNvGrpSpPr>
+            <a:grpSpLocks noGrp="1" noUngrp="1" noRot="1" noChangeAspect="1" noMove="1" noResize="1"/>
+          </p:cNvGrpSpPr>
+          <p:nvPr>
+            <p:extLst>
+              <p:ext uri="{386F3935-93C4-4BCD-93E2-E3B085C9AB24}">
+                <p16:designElem xmlns:p16="http://schemas.microsoft.com/office/powerpoint/2015/main" val="1"/>
+              </p:ext>
+            </p:extLst>
+          </p:nvPr>
+        </p:nvGrpSpPr>
+        <p:grpSpPr>
+          <a:xfrm>
+            <a:off x="6232760" y="0"/>
+            <a:ext cx="2436813" cy="6858001"/>
+            <a:chOff x="1320800" y="0"/>
+            <a:chExt cx="2436813" cy="6858001"/>
+          </a:xfrm>
+        </p:grpSpPr>
+        <p:sp>
+          <p:nvSpPr>
+            <p:cNvPr id="12" name="Freeform 6">
+              <a:extLst>
+                <a:ext uri="{FF2B5EF4-FFF2-40B4-BE49-F238E27FC236}">
+                  <a16:creationId xmlns:a16="http://schemas.microsoft.com/office/drawing/2014/main" id="{BF371BCC-8954-44E2-8C4F-29DC188727AC}"/>
+                </a:ext>
+                <a:ext uri="{C183D7F6-B498-43B3-948B-1728B52AA6E4}">
+                  <adec:decorative xmlns:adec="http://schemas.microsoft.com/office/drawing/2017/decorative" val="1"/>
+                </a:ext>
+              </a:extLst>
+            </p:cNvPr>
+            <p:cNvSpPr/>
+            <p:nvPr>
+              <p:extLst>
+                <p:ext uri="{386F3935-93C4-4BCD-93E2-E3B085C9AB24}">
+                  <p16:designElem xmlns:p16="http://schemas.microsoft.com/office/powerpoint/2015/main" val="1"/>
+                </p:ext>
+              </p:extLst>
+            </p:nvPr>
+          </p:nvSpPr>
+          <p:spPr bwMode="auto">
+            <a:xfrm>
+              <a:off x="1627188" y="0"/>
+              <a:ext cx="1122363" cy="5329238"/>
+            </a:xfrm>
+            <a:custGeom>
+              <a:avLst/>
+              <a:gdLst/>
+              <a:ahLst/>
+              <a:cxnLst/>
+              <a:rect l="0" t="0" r="r" b="b"/>
+              <a:pathLst>
+                <a:path w="707" h="3357">
+                  <a:moveTo>
+                    <a:pt x="0" y="3330"/>
+                  </a:moveTo>
+                  <a:lnTo>
+                    <a:pt x="156" y="3357"/>
+                  </a:lnTo>
+                  <a:lnTo>
+                    <a:pt x="707" y="0"/>
+                  </a:lnTo>
+                  <a:lnTo>
+                    <a:pt x="547" y="0"/>
+                  </a:lnTo>
+                  <a:lnTo>
+                    <a:pt x="0" y="3330"/>
+                  </a:lnTo>
+                  <a:close/>
+                </a:path>
+              </a:pathLst>
+            </a:custGeom>
+            <a:solidFill>
+              <a:schemeClr val="accent1"/>
+            </a:solidFill>
+            <a:ln>
+              <a:noFill/>
+            </a:ln>
+          </p:spPr>
+          <p:txBody>
+            <a:bodyPr/>
+            <a:lstStyle/>
+            <a:p>
+              <a:endParaRPr lang="en-IN"/>
+            </a:p>
+          </p:txBody>
+        </p:sp>
+        <p:sp>
+          <p:nvSpPr>
+            <p:cNvPr id="13" name="Freeform 7">
+              <a:extLst>
+                <a:ext uri="{FF2B5EF4-FFF2-40B4-BE49-F238E27FC236}">
+                  <a16:creationId xmlns:a16="http://schemas.microsoft.com/office/drawing/2014/main" id="{CD3505BE-B420-41C5-BE34-3E7652D37A5F}"/>
+                </a:ext>
+                <a:ext uri="{C183D7F6-B498-43B3-948B-1728B52AA6E4}">
+                  <adec:decorative xmlns:adec="http://schemas.microsoft.com/office/drawing/2017/decorative" val="1"/>
+                </a:ext>
+              </a:extLst>
+            </p:cNvPr>
+            <p:cNvSpPr/>
+            <p:nvPr>
+              <p:extLst>
+                <p:ext uri="{386F3935-93C4-4BCD-93E2-E3B085C9AB24}">
+                  <p16:designElem xmlns:p16="http://schemas.microsoft.com/office/powerpoint/2015/main" val="1"/>
+                </p:ext>
+              </p:extLst>
+            </p:nvPr>
+          </p:nvSpPr>
+          <p:spPr bwMode="auto">
+            <a:xfrm>
+              <a:off x="1320800" y="0"/>
+              <a:ext cx="1117600" cy="5276850"/>
+            </a:xfrm>
+            <a:custGeom>
+              <a:avLst/>
+              <a:gdLst/>
+              <a:ahLst/>
+              <a:cxnLst/>
+              <a:rect l="0" t="0" r="r" b="b"/>
+              <a:pathLst>
+                <a:path w="704" h="3324">
+                  <a:moveTo>
+                    <a:pt x="704" y="0"/>
+                  </a:moveTo>
+                  <a:lnTo>
+                    <a:pt x="545" y="0"/>
+                  </a:lnTo>
+                  <a:lnTo>
+                    <a:pt x="0" y="3300"/>
+                  </a:lnTo>
+                  <a:lnTo>
+                    <a:pt x="157" y="3324"/>
+                  </a:lnTo>
+                  <a:lnTo>
+                    <a:pt x="704" y="0"/>
+                  </a:lnTo>
+                  <a:close/>
+                </a:path>
+              </a:pathLst>
+            </a:custGeom>
+            <a:solidFill>
+              <a:schemeClr val="tx1">
+                <a:lumMod val="65000"/>
+                <a:lumOff val="35000"/>
+              </a:schemeClr>
+            </a:solidFill>
+            <a:ln>
+              <a:noFill/>
+            </a:ln>
+          </p:spPr>
+          <p:txBody>
+            <a:bodyPr/>
+            <a:lstStyle/>
+            <a:p>
+              <a:endParaRPr lang="en-IN"/>
+            </a:p>
+          </p:txBody>
+        </p:sp>
+        <p:sp>
+          <p:nvSpPr>
+            <p:cNvPr id="14" name="Freeform 8">
+              <a:extLst>
+                <a:ext uri="{FF2B5EF4-FFF2-40B4-BE49-F238E27FC236}">
+                  <a16:creationId xmlns:a16="http://schemas.microsoft.com/office/drawing/2014/main" id="{4B68A05B-A78B-4D59-8CF9-1900731A2188}"/>
+                </a:ext>
+                <a:ext uri="{C183D7F6-B498-43B3-948B-1728B52AA6E4}">
+                  <adec:decorative xmlns:adec="http://schemas.microsoft.com/office/drawing/2017/decorative" val="1"/>
+                </a:ext>
+              </a:extLst>
+            </p:cNvPr>
+            <p:cNvSpPr/>
+            <p:nvPr>
+              <p:extLst>
+                <p:ext uri="{386F3935-93C4-4BCD-93E2-E3B085C9AB24}">
+                  <p16:designElem xmlns:p16="http://schemas.microsoft.com/office/powerpoint/2015/main" val="1"/>
+                </p:ext>
+              </p:extLst>
+            </p:nvPr>
+          </p:nvSpPr>
+          <p:spPr bwMode="auto">
+            <a:xfrm>
+              <a:off x="1320800" y="5238750"/>
+              <a:ext cx="1228725" cy="1619250"/>
+            </a:xfrm>
+            <a:custGeom>
+              <a:avLst/>
+              <a:gdLst/>
+              <a:ahLst/>
+              <a:cxnLst/>
+              <a:rect l="0" t="0" r="r" b="b"/>
+              <a:pathLst>
+                <a:path w="774" h="1020">
+                  <a:moveTo>
+                    <a:pt x="0" y="0"/>
+                  </a:moveTo>
+                  <a:lnTo>
+                    <a:pt x="740" y="1020"/>
+                  </a:lnTo>
+                  <a:lnTo>
+                    <a:pt x="774" y="1020"/>
+                  </a:lnTo>
+                  <a:lnTo>
+                    <a:pt x="0" y="0"/>
+                  </a:lnTo>
+                  <a:close/>
+                </a:path>
+              </a:pathLst>
+            </a:custGeom>
+            <a:solidFill>
+              <a:schemeClr val="tx1">
+                <a:lumMod val="85000"/>
+                <a:lumOff val="15000"/>
+              </a:schemeClr>
+            </a:solidFill>
+            <a:ln>
+              <a:noFill/>
+            </a:ln>
+          </p:spPr>
+          <p:txBody>
+            <a:bodyPr/>
+            <a:lstStyle/>
+            <a:p>
+              <a:endParaRPr lang="en-IN"/>
+            </a:p>
+          </p:txBody>
+        </p:sp>
+        <p:sp>
+          <p:nvSpPr>
+            <p:cNvPr id="15" name="Freeform 9">
+              <a:extLst>
+                <a:ext uri="{FF2B5EF4-FFF2-40B4-BE49-F238E27FC236}">
+                  <a16:creationId xmlns:a16="http://schemas.microsoft.com/office/drawing/2014/main" id="{84D57A01-C112-4FF2-B5ED-0B762AAD9CE2}"/>
+                </a:ext>
+                <a:ext uri="{C183D7F6-B498-43B3-948B-1728B52AA6E4}">
+                  <adec:decorative xmlns:adec="http://schemas.microsoft.com/office/drawing/2017/decorative" val="1"/>
+                </a:ext>
+              </a:extLst>
+            </p:cNvPr>
+            <p:cNvSpPr/>
+            <p:nvPr>
+              <p:extLst>
+                <p:ext uri="{386F3935-93C4-4BCD-93E2-E3B085C9AB24}">
+                  <p16:designElem xmlns:p16="http://schemas.microsoft.com/office/powerpoint/2015/main" val="1"/>
+                </p:ext>
+              </p:extLst>
+            </p:nvPr>
+          </p:nvSpPr>
+          <p:spPr bwMode="auto">
+            <a:xfrm>
+              <a:off x="1627188" y="5291138"/>
+              <a:ext cx="1495425" cy="1566863"/>
+            </a:xfrm>
+            <a:custGeom>
+              <a:avLst/>
+              <a:gdLst/>
+              <a:ahLst/>
+              <a:cxnLst/>
+              <a:rect l="0" t="0" r="r" b="b"/>
+              <a:pathLst>
+                <a:path w="942" h="987">
+                  <a:moveTo>
+                    <a:pt x="0" y="0"/>
+                  </a:moveTo>
+                  <a:lnTo>
+                    <a:pt x="909" y="987"/>
+                  </a:lnTo>
+                  <a:lnTo>
+                    <a:pt x="942" y="987"/>
+                  </a:lnTo>
+                  <a:lnTo>
+                    <a:pt x="0" y="0"/>
+                  </a:lnTo>
+                  <a:close/>
+                </a:path>
+              </a:pathLst>
+            </a:custGeom>
+            <a:solidFill>
+              <a:schemeClr val="accent1">
+                <a:lumMod val="50000"/>
+              </a:schemeClr>
+            </a:solidFill>
+            <a:ln>
+              <a:noFill/>
+            </a:ln>
+          </p:spPr>
+          <p:txBody>
+            <a:bodyPr/>
+            <a:lstStyle/>
+            <a:p>
+              <a:endParaRPr lang="en-IN"/>
+            </a:p>
+          </p:txBody>
+        </p:sp>
+        <p:sp>
+          <p:nvSpPr>
+            <p:cNvPr id="16" name="Freeform 10">
+              <a:extLst>
+                <a:ext uri="{FF2B5EF4-FFF2-40B4-BE49-F238E27FC236}">
+                  <a16:creationId xmlns:a16="http://schemas.microsoft.com/office/drawing/2014/main" id="{6CCCCDF1-5D4F-4CA1-8400-DFBB96BB011D}"/>
+                </a:ext>
+                <a:ext uri="{C183D7F6-B498-43B3-948B-1728B52AA6E4}">
+                  <adec:decorative xmlns:adec="http://schemas.microsoft.com/office/drawing/2017/decorative" val="1"/>
+                </a:ext>
+              </a:extLst>
+            </p:cNvPr>
+            <p:cNvSpPr/>
+            <p:nvPr>
+              <p:extLst>
+                <p:ext uri="{386F3935-93C4-4BCD-93E2-E3B085C9AB24}">
+                  <p16:designElem xmlns:p16="http://schemas.microsoft.com/office/powerpoint/2015/main" val="1"/>
+                </p:ext>
+              </p:extLst>
+            </p:nvPr>
+          </p:nvSpPr>
+          <p:spPr bwMode="auto">
+            <a:xfrm>
+              <a:off x="1627188" y="5286375"/>
+              <a:ext cx="2130425" cy="1571625"/>
+            </a:xfrm>
+            <a:custGeom>
+              <a:avLst/>
+              <a:gdLst/>
+              <a:ahLst/>
+              <a:cxnLst/>
+              <a:rect l="0" t="0" r="r" b="b"/>
+              <a:pathLst>
+                <a:path w="1342" h="990">
+                  <a:moveTo>
+                    <a:pt x="0" y="3"/>
+                  </a:moveTo>
+                  <a:lnTo>
+                    <a:pt x="942" y="990"/>
+                  </a:lnTo>
+                  <a:lnTo>
+                    <a:pt x="1342" y="990"/>
+                  </a:lnTo>
+                  <a:lnTo>
+                    <a:pt x="156" y="27"/>
+                  </a:lnTo>
+                  <a:lnTo>
+                    <a:pt x="0" y="0"/>
+                  </a:lnTo>
+                  <a:lnTo>
+                    <a:pt x="0" y="3"/>
+                  </a:lnTo>
+                  <a:close/>
+                </a:path>
+              </a:pathLst>
+            </a:custGeom>
+            <a:solidFill>
+              <a:schemeClr val="accent1">
+                <a:lumMod val="75000"/>
+              </a:schemeClr>
+            </a:solidFill>
+            <a:ln>
+              <a:noFill/>
+            </a:ln>
+          </p:spPr>
+          <p:txBody>
+            <a:bodyPr/>
+            <a:lstStyle/>
+            <a:p>
+              <a:endParaRPr lang="en-IN"/>
+            </a:p>
+          </p:txBody>
+        </p:sp>
+        <p:sp>
+          <p:nvSpPr>
+            <p:cNvPr id="17" name="Freeform 11">
+              <a:extLst>
+                <a:ext uri="{FF2B5EF4-FFF2-40B4-BE49-F238E27FC236}">
+                  <a16:creationId xmlns:a16="http://schemas.microsoft.com/office/drawing/2014/main" id="{20A090B2-5344-43CD-BC70-A6D44F15E800}"/>
+                </a:ext>
+                <a:ext uri="{C183D7F6-B498-43B3-948B-1728B52AA6E4}">
+                  <adec:decorative xmlns:adec="http://schemas.microsoft.com/office/drawing/2017/decorative" val="1"/>
+                </a:ext>
+              </a:extLst>
+            </p:cNvPr>
+            <p:cNvSpPr/>
+            <p:nvPr>
+              <p:extLst>
+                <p:ext uri="{386F3935-93C4-4BCD-93E2-E3B085C9AB24}">
+                  <p16:designElem xmlns:p16="http://schemas.microsoft.com/office/powerpoint/2015/main" val="1"/>
+                </p:ext>
+              </p:extLst>
+            </p:nvPr>
+          </p:nvSpPr>
+          <p:spPr bwMode="auto">
+            <a:xfrm>
+              <a:off x="1320800" y="5238750"/>
+              <a:ext cx="1695450" cy="1619250"/>
+            </a:xfrm>
+            <a:custGeom>
+              <a:avLst/>
+              <a:gdLst/>
+              <a:ahLst/>
+              <a:cxnLst/>
+              <a:rect l="0" t="0" r="r" b="b"/>
+              <a:pathLst>
+                <a:path w="1068" h="1020">
+                  <a:moveTo>
+                    <a:pt x="1068" y="1020"/>
+                  </a:moveTo>
+                  <a:lnTo>
+                    <a:pt x="184" y="60"/>
+                  </a:lnTo>
+                  <a:lnTo>
+                    <a:pt x="154" y="27"/>
+                  </a:lnTo>
+                  <a:lnTo>
+                    <a:pt x="157" y="27"/>
+                  </a:lnTo>
+                  <a:lnTo>
+                    <a:pt x="157" y="24"/>
+                  </a:lnTo>
+                  <a:lnTo>
+                    <a:pt x="154" y="24"/>
+                  </a:lnTo>
+                  <a:lnTo>
+                    <a:pt x="0" y="0"/>
+                  </a:lnTo>
+                  <a:lnTo>
+                    <a:pt x="0" y="0"/>
+                  </a:lnTo>
+                  <a:lnTo>
+                    <a:pt x="774" y="1020"/>
+                  </a:lnTo>
+                  <a:lnTo>
+                    <a:pt x="1068" y="1020"/>
+                  </a:lnTo>
+                  <a:close/>
+                </a:path>
+              </a:pathLst>
+            </a:custGeom>
+            <a:solidFill>
+              <a:schemeClr val="tx1">
+                <a:lumMod val="75000"/>
+                <a:lumOff val="25000"/>
+              </a:schemeClr>
+            </a:solidFill>
+            <a:ln>
+              <a:noFill/>
+            </a:ln>
+          </p:spPr>
+          <p:txBody>
+            <a:bodyPr/>
+            <a:lstStyle/>
+            <a:p>
+              <a:endParaRPr lang="en-IN"/>
+            </a:p>
+          </p:txBody>
+        </p:sp>
+      </p:grpSp>
+      <p:sp>
+        <p:nvSpPr>
+          <p:cNvPr id="2" name="Title 1">
+            <a:extLst>
+              <a:ext uri="{FF2B5EF4-FFF2-40B4-BE49-F238E27FC236}">
+                <a16:creationId xmlns:a16="http://schemas.microsoft.com/office/drawing/2014/main" id="{6E0CFDCC-66CD-C367-D224-80D2576CBC59}"/>
+              </a:ext>
+            </a:extLst>
+          </p:cNvPr>
+          <p:cNvSpPr>
+            <a:spLocks noGrp="1"/>
+          </p:cNvSpPr>
+          <p:nvPr>
+            <p:ph type="title"/>
+          </p:nvPr>
+        </p:nvSpPr>
+        <p:spPr>
+          <a:xfrm>
+            <a:off x="643468" y="813916"/>
+            <a:ext cx="5589292" cy="1624483"/>
+          </a:xfrm>
+        </p:spPr>
+        <p:txBody>
+          <a:bodyPr>
+            <a:normAutofit/>
+          </a:bodyPr>
+          <a:lstStyle/>
+          <a:p>
+            <a:pPr algn="l"/>
+            <a:r>
+              <a:rPr lang="en-IN" dirty="0">
+                <a:latin typeface="Times New Roman" panose="02020603050405020304" pitchFamily="18" charset="0"/>
+                <a:cs typeface="Times New Roman" panose="02020603050405020304" pitchFamily="18" charset="0"/>
+              </a:rPr>
+              <a:t>Future recommendations and extensions:</a:t>
+            </a:r>
+          </a:p>
+        </p:txBody>
+      </p:sp>
+      <p:sp>
+        <p:nvSpPr>
+          <p:cNvPr id="3" name="Content Placeholder 2">
+            <a:extLst>
+              <a:ext uri="{FF2B5EF4-FFF2-40B4-BE49-F238E27FC236}">
+                <a16:creationId xmlns:a16="http://schemas.microsoft.com/office/drawing/2014/main" id="{7B4D5BE9-7CA1-731E-9EB7-4CDF62E2C7B4}"/>
+              </a:ext>
+            </a:extLst>
+          </p:cNvPr>
+          <p:cNvSpPr>
+            <a:spLocks noGrp="1"/>
+          </p:cNvSpPr>
+          <p:nvPr>
+            <p:ph idx="1"/>
+          </p:nvPr>
+        </p:nvSpPr>
+        <p:spPr>
+          <a:xfrm>
+            <a:off x="643468" y="2666999"/>
+            <a:ext cx="5695654" cy="3124201"/>
+          </a:xfrm>
+        </p:spPr>
+        <p:txBody>
+          <a:bodyPr>
+            <a:normAutofit/>
+          </a:bodyPr>
+          <a:lstStyle/>
+          <a:p>
+            <a:pPr marL="0" indent="0">
+              <a:buNone/>
+            </a:pPr>
+            <a:r>
+              <a:rPr lang="en-US" sz="2000" b="0" i="0" u="none" strike="noStrike" baseline="0" dirty="0">
+                <a:latin typeface="Times New Roman" panose="02020603050405020304" pitchFamily="18" charset="0"/>
+              </a:rPr>
+              <a:t>Future recommendations include expanding the dataset to include additional lifestyle and environmental factors, exploring advanced machine learning models for improved accuracy, and integrating real-time health data for continuous risk assessment. Further research could also focus on testing the model's generalizability across diverse populations and healthcare settings. </a:t>
+            </a:r>
+            <a:endParaRPr lang="en-IN" sz="2000" dirty="0"/>
+          </a:p>
+        </p:txBody>
+      </p:sp>
+    </p:spTree>
+    <p:extLst>
+      <p:ext uri="{BB962C8B-B14F-4D97-AF65-F5344CB8AC3E}">
+        <p14:creationId xmlns:p14="http://schemas.microsoft.com/office/powerpoint/2010/main" val="199948239"/>
+      </p:ext>
+    </p:extLst>
+  </p:cSld>
+  <p:clrMapOvr>
+    <a:masterClrMapping/>
+  </p:clrMapOvr>
+</p:sld>
+</file>
+
 <file path=ppt/slides/slide2.xml><?xml version="1.0" encoding="utf-8"?>
 <p:sld xmlns:a="http://schemas.openxmlformats.org/drawingml/2006/main" xmlns:r="http://schemas.openxmlformats.org/officeDocument/2006/relationships" xmlns:p="http://schemas.openxmlformats.org/presentationml/2006/main">
   <p:cSld>
@@ -22388,715 +22898,6 @@
 </file>
 
 <file path=ppt/slides/slide20.xml><?xml version="1.0" encoding="utf-8"?>
-<p:sld xmlns:a="http://schemas.openxmlformats.org/drawingml/2006/main" xmlns:r="http://schemas.openxmlformats.org/officeDocument/2006/relationships" xmlns:p="http://schemas.openxmlformats.org/presentationml/2006/main">
-  <p:cSld>
-    <p:bg>
-      <p:bgPr>
-        <a:blipFill rotWithShape="1">
-          <a:blip r:embed="rId3">
-            <a:duotone>
-              <a:schemeClr val="bg2">
-                <a:shade val="76000"/>
-                <a:satMod val="180000"/>
-              </a:schemeClr>
-              <a:schemeClr val="bg2">
-                <a:tint val="80000"/>
-                <a:satMod val="120000"/>
-                <a:lumMod val="180000"/>
-              </a:schemeClr>
-            </a:duotone>
-          </a:blip>
-          <a:stretch/>
-        </a:blipFill>
-        <a:effectLst/>
-      </p:bgPr>
-    </p:bg>
-    <p:spTree>
-      <p:nvGrpSpPr>
-        <p:cNvPr id="1" name=""/>
-        <p:cNvGrpSpPr/>
-        <p:nvPr/>
-      </p:nvGrpSpPr>
-      <p:grpSpPr>
-        <a:xfrm>
-          <a:off x="0" y="0"/>
-          <a:ext cx="0" cy="0"/>
-          <a:chOff x="0" y="0"/>
-          <a:chExt cx="0" cy="0"/>
-        </a:xfrm>
-      </p:grpSpPr>
-      <p:sp useBgFill="1">
-        <p:nvSpPr>
-          <p:cNvPr id="9" name="Rectangle 8">
-            <a:extLst>
-              <a:ext uri="{FF2B5EF4-FFF2-40B4-BE49-F238E27FC236}">
-                <a16:creationId xmlns:a16="http://schemas.microsoft.com/office/drawing/2014/main" id="{6AD30037-67ED-4367-9BE0-45787510BF13}"/>
-              </a:ext>
-              <a:ext uri="{C183D7F6-B498-43B3-948B-1728B52AA6E4}">
-                <adec:decorative xmlns:adec="http://schemas.microsoft.com/office/drawing/2017/decorative" val="1"/>
-              </a:ext>
-            </a:extLst>
-          </p:cNvPr>
-          <p:cNvSpPr>
-            <a:spLocks noGrp="1" noRot="1" noChangeAspect="1" noMove="1" noResize="1" noEditPoints="1" noAdjustHandles="1" noChangeArrowheads="1" noChangeShapeType="1" noTextEdit="1"/>
-          </p:cNvSpPr>
-          <p:nvPr>
-            <p:extLst>
-              <p:ext uri="{386F3935-93C4-4BCD-93E2-E3B085C9AB24}">
-                <p16:designElem xmlns:p16="http://schemas.microsoft.com/office/powerpoint/2015/main" val="1"/>
-              </p:ext>
-            </p:extLst>
-          </p:nvPr>
-        </p:nvSpPr>
-        <p:spPr>
-          <a:xfrm>
-            <a:off x="0" y="0"/>
-            <a:ext cx="12192000" cy="6858000"/>
-          </a:xfrm>
-          <a:prstGeom prst="rect">
-            <a:avLst/>
-          </a:prstGeom>
-          <a:ln>
-            <a:noFill/>
-          </a:ln>
-        </p:spPr>
-        <p:style>
-          <a:lnRef idx="2">
-            <a:schemeClr val="accent1">
-              <a:shade val="50000"/>
-            </a:schemeClr>
-          </a:lnRef>
-          <a:fillRef idx="1">
-            <a:schemeClr val="accent1"/>
-          </a:fillRef>
-          <a:effectRef idx="0">
-            <a:schemeClr val="accent1"/>
-          </a:effectRef>
-          <a:fontRef idx="minor">
-            <a:schemeClr val="lt1"/>
-          </a:fontRef>
-        </p:style>
-        <p:txBody>
-          <a:bodyPr rtlCol="0" anchor="ctr"/>
-          <a:lstStyle/>
-          <a:p>
-            <a:pPr algn="ctr"/>
-            <a:endParaRPr lang="en-US"/>
-          </a:p>
-        </p:txBody>
-      </p:sp>
-      <p:pic>
-        <p:nvPicPr>
-          <p:cNvPr id="5" name="Picture 4" descr="Digital financial graph">
-            <a:extLst>
-              <a:ext uri="{FF2B5EF4-FFF2-40B4-BE49-F238E27FC236}">
-                <a16:creationId xmlns:a16="http://schemas.microsoft.com/office/drawing/2014/main" id="{809F3E8A-115E-2608-7D9A-DE08B7BFBF4B}"/>
-              </a:ext>
-            </a:extLst>
-          </p:cNvPr>
-          <p:cNvPicPr>
-            <a:picLocks noChangeAspect="1"/>
-          </p:cNvPicPr>
-          <p:nvPr/>
-        </p:nvPicPr>
-        <p:blipFill>
-          <a:blip r:embed="rId4"/>
-          <a:srcRect l="35911" r="20625"/>
-          <a:stretch/>
-        </p:blipFill>
-        <p:spPr>
-          <a:xfrm>
-            <a:off x="6892924" y="10"/>
-            <a:ext cx="5299077" cy="6857990"/>
-          </a:xfrm>
-          <a:custGeom>
-            <a:avLst/>
-            <a:gdLst/>
-            <a:ahLst/>
-            <a:cxnLst/>
-            <a:rect l="l" t="t" r="r" b="b"/>
-            <a:pathLst>
-              <a:path w="5299077" h="6858000">
-                <a:moveTo>
-                  <a:pt x="836871" y="0"/>
-                </a:moveTo>
-                <a:lnTo>
-                  <a:pt x="5299077" y="0"/>
-                </a:lnTo>
-                <a:lnTo>
-                  <a:pt x="5299077" y="6858000"/>
-                </a:lnTo>
-                <a:lnTo>
-                  <a:pt x="1911312" y="6858000"/>
-                </a:lnTo>
-                <a:lnTo>
-                  <a:pt x="0" y="5333999"/>
-                </a:lnTo>
-                <a:close/>
-              </a:path>
-            </a:pathLst>
-          </a:custGeom>
-        </p:spPr>
-      </p:pic>
-      <p:grpSp>
-        <p:nvGrpSpPr>
-          <p:cNvPr id="11" name="Group 10">
-            <a:extLst>
-              <a:ext uri="{FF2B5EF4-FFF2-40B4-BE49-F238E27FC236}">
-                <a16:creationId xmlns:a16="http://schemas.microsoft.com/office/drawing/2014/main" id="{50841A4E-5BC1-44B4-83CF-D524E8AEAD64}"/>
-              </a:ext>
-              <a:ext uri="{C183D7F6-B498-43B3-948B-1728B52AA6E4}">
-                <adec:decorative xmlns:adec="http://schemas.microsoft.com/office/drawing/2017/decorative" val="1"/>
-              </a:ext>
-            </a:extLst>
-          </p:cNvPr>
-          <p:cNvGrpSpPr>
-            <a:grpSpLocks noGrp="1" noUngrp="1" noRot="1" noChangeAspect="1" noMove="1" noResize="1"/>
-          </p:cNvGrpSpPr>
-          <p:nvPr>
-            <p:extLst>
-              <p:ext uri="{386F3935-93C4-4BCD-93E2-E3B085C9AB24}">
-                <p16:designElem xmlns:p16="http://schemas.microsoft.com/office/powerpoint/2015/main" val="1"/>
-              </p:ext>
-            </p:extLst>
-          </p:nvPr>
-        </p:nvGrpSpPr>
-        <p:grpSpPr>
-          <a:xfrm>
-            <a:off x="6232760" y="0"/>
-            <a:ext cx="2436813" cy="6858001"/>
-            <a:chOff x="1320800" y="0"/>
-            <a:chExt cx="2436813" cy="6858001"/>
-          </a:xfrm>
-        </p:grpSpPr>
-        <p:sp>
-          <p:nvSpPr>
-            <p:cNvPr id="12" name="Freeform 6">
-              <a:extLst>
-                <a:ext uri="{FF2B5EF4-FFF2-40B4-BE49-F238E27FC236}">
-                  <a16:creationId xmlns:a16="http://schemas.microsoft.com/office/drawing/2014/main" id="{BF371BCC-8954-44E2-8C4F-29DC188727AC}"/>
-                </a:ext>
-                <a:ext uri="{C183D7F6-B498-43B3-948B-1728B52AA6E4}">
-                  <adec:decorative xmlns:adec="http://schemas.microsoft.com/office/drawing/2017/decorative" val="1"/>
-                </a:ext>
-              </a:extLst>
-            </p:cNvPr>
-            <p:cNvSpPr/>
-            <p:nvPr>
-              <p:extLst>
-                <p:ext uri="{386F3935-93C4-4BCD-93E2-E3B085C9AB24}">
-                  <p16:designElem xmlns:p16="http://schemas.microsoft.com/office/powerpoint/2015/main" val="1"/>
-                </p:ext>
-              </p:extLst>
-            </p:nvPr>
-          </p:nvSpPr>
-          <p:spPr bwMode="auto">
-            <a:xfrm>
-              <a:off x="1627188" y="0"/>
-              <a:ext cx="1122363" cy="5329238"/>
-            </a:xfrm>
-            <a:custGeom>
-              <a:avLst/>
-              <a:gdLst/>
-              <a:ahLst/>
-              <a:cxnLst/>
-              <a:rect l="0" t="0" r="r" b="b"/>
-              <a:pathLst>
-                <a:path w="707" h="3357">
-                  <a:moveTo>
-                    <a:pt x="0" y="3330"/>
-                  </a:moveTo>
-                  <a:lnTo>
-                    <a:pt x="156" y="3357"/>
-                  </a:lnTo>
-                  <a:lnTo>
-                    <a:pt x="707" y="0"/>
-                  </a:lnTo>
-                  <a:lnTo>
-                    <a:pt x="547" y="0"/>
-                  </a:lnTo>
-                  <a:lnTo>
-                    <a:pt x="0" y="3330"/>
-                  </a:lnTo>
-                  <a:close/>
-                </a:path>
-              </a:pathLst>
-            </a:custGeom>
-            <a:solidFill>
-              <a:schemeClr val="accent1"/>
-            </a:solidFill>
-            <a:ln>
-              <a:noFill/>
-            </a:ln>
-          </p:spPr>
-          <p:txBody>
-            <a:bodyPr/>
-            <a:lstStyle/>
-            <a:p>
-              <a:endParaRPr lang="en-IN"/>
-            </a:p>
-          </p:txBody>
-        </p:sp>
-        <p:sp>
-          <p:nvSpPr>
-            <p:cNvPr id="13" name="Freeform 7">
-              <a:extLst>
-                <a:ext uri="{FF2B5EF4-FFF2-40B4-BE49-F238E27FC236}">
-                  <a16:creationId xmlns:a16="http://schemas.microsoft.com/office/drawing/2014/main" id="{CD3505BE-B420-41C5-BE34-3E7652D37A5F}"/>
-                </a:ext>
-                <a:ext uri="{C183D7F6-B498-43B3-948B-1728B52AA6E4}">
-                  <adec:decorative xmlns:adec="http://schemas.microsoft.com/office/drawing/2017/decorative" val="1"/>
-                </a:ext>
-              </a:extLst>
-            </p:cNvPr>
-            <p:cNvSpPr/>
-            <p:nvPr>
-              <p:extLst>
-                <p:ext uri="{386F3935-93C4-4BCD-93E2-E3B085C9AB24}">
-                  <p16:designElem xmlns:p16="http://schemas.microsoft.com/office/powerpoint/2015/main" val="1"/>
-                </p:ext>
-              </p:extLst>
-            </p:nvPr>
-          </p:nvSpPr>
-          <p:spPr bwMode="auto">
-            <a:xfrm>
-              <a:off x="1320800" y="0"/>
-              <a:ext cx="1117600" cy="5276850"/>
-            </a:xfrm>
-            <a:custGeom>
-              <a:avLst/>
-              <a:gdLst/>
-              <a:ahLst/>
-              <a:cxnLst/>
-              <a:rect l="0" t="0" r="r" b="b"/>
-              <a:pathLst>
-                <a:path w="704" h="3324">
-                  <a:moveTo>
-                    <a:pt x="704" y="0"/>
-                  </a:moveTo>
-                  <a:lnTo>
-                    <a:pt x="545" y="0"/>
-                  </a:lnTo>
-                  <a:lnTo>
-                    <a:pt x="0" y="3300"/>
-                  </a:lnTo>
-                  <a:lnTo>
-                    <a:pt x="157" y="3324"/>
-                  </a:lnTo>
-                  <a:lnTo>
-                    <a:pt x="704" y="0"/>
-                  </a:lnTo>
-                  <a:close/>
-                </a:path>
-              </a:pathLst>
-            </a:custGeom>
-            <a:solidFill>
-              <a:schemeClr val="tx1">
-                <a:lumMod val="65000"/>
-                <a:lumOff val="35000"/>
-              </a:schemeClr>
-            </a:solidFill>
-            <a:ln>
-              <a:noFill/>
-            </a:ln>
-          </p:spPr>
-          <p:txBody>
-            <a:bodyPr/>
-            <a:lstStyle/>
-            <a:p>
-              <a:endParaRPr lang="en-IN"/>
-            </a:p>
-          </p:txBody>
-        </p:sp>
-        <p:sp>
-          <p:nvSpPr>
-            <p:cNvPr id="14" name="Freeform 8">
-              <a:extLst>
-                <a:ext uri="{FF2B5EF4-FFF2-40B4-BE49-F238E27FC236}">
-                  <a16:creationId xmlns:a16="http://schemas.microsoft.com/office/drawing/2014/main" id="{4B68A05B-A78B-4D59-8CF9-1900731A2188}"/>
-                </a:ext>
-                <a:ext uri="{C183D7F6-B498-43B3-948B-1728B52AA6E4}">
-                  <adec:decorative xmlns:adec="http://schemas.microsoft.com/office/drawing/2017/decorative" val="1"/>
-                </a:ext>
-              </a:extLst>
-            </p:cNvPr>
-            <p:cNvSpPr/>
-            <p:nvPr>
-              <p:extLst>
-                <p:ext uri="{386F3935-93C4-4BCD-93E2-E3B085C9AB24}">
-                  <p16:designElem xmlns:p16="http://schemas.microsoft.com/office/powerpoint/2015/main" val="1"/>
-                </p:ext>
-              </p:extLst>
-            </p:nvPr>
-          </p:nvSpPr>
-          <p:spPr bwMode="auto">
-            <a:xfrm>
-              <a:off x="1320800" y="5238750"/>
-              <a:ext cx="1228725" cy="1619250"/>
-            </a:xfrm>
-            <a:custGeom>
-              <a:avLst/>
-              <a:gdLst/>
-              <a:ahLst/>
-              <a:cxnLst/>
-              <a:rect l="0" t="0" r="r" b="b"/>
-              <a:pathLst>
-                <a:path w="774" h="1020">
-                  <a:moveTo>
-                    <a:pt x="0" y="0"/>
-                  </a:moveTo>
-                  <a:lnTo>
-                    <a:pt x="740" y="1020"/>
-                  </a:lnTo>
-                  <a:lnTo>
-                    <a:pt x="774" y="1020"/>
-                  </a:lnTo>
-                  <a:lnTo>
-                    <a:pt x="0" y="0"/>
-                  </a:lnTo>
-                  <a:close/>
-                </a:path>
-              </a:pathLst>
-            </a:custGeom>
-            <a:solidFill>
-              <a:schemeClr val="tx1">
-                <a:lumMod val="85000"/>
-                <a:lumOff val="15000"/>
-              </a:schemeClr>
-            </a:solidFill>
-            <a:ln>
-              <a:noFill/>
-            </a:ln>
-          </p:spPr>
-          <p:txBody>
-            <a:bodyPr/>
-            <a:lstStyle/>
-            <a:p>
-              <a:endParaRPr lang="en-IN"/>
-            </a:p>
-          </p:txBody>
-        </p:sp>
-        <p:sp>
-          <p:nvSpPr>
-            <p:cNvPr id="15" name="Freeform 9">
-              <a:extLst>
-                <a:ext uri="{FF2B5EF4-FFF2-40B4-BE49-F238E27FC236}">
-                  <a16:creationId xmlns:a16="http://schemas.microsoft.com/office/drawing/2014/main" id="{84D57A01-C112-4FF2-B5ED-0B762AAD9CE2}"/>
-                </a:ext>
-                <a:ext uri="{C183D7F6-B498-43B3-948B-1728B52AA6E4}">
-                  <adec:decorative xmlns:adec="http://schemas.microsoft.com/office/drawing/2017/decorative" val="1"/>
-                </a:ext>
-              </a:extLst>
-            </p:cNvPr>
-            <p:cNvSpPr/>
-            <p:nvPr>
-              <p:extLst>
-                <p:ext uri="{386F3935-93C4-4BCD-93E2-E3B085C9AB24}">
-                  <p16:designElem xmlns:p16="http://schemas.microsoft.com/office/powerpoint/2015/main" val="1"/>
-                </p:ext>
-              </p:extLst>
-            </p:nvPr>
-          </p:nvSpPr>
-          <p:spPr bwMode="auto">
-            <a:xfrm>
-              <a:off x="1627188" y="5291138"/>
-              <a:ext cx="1495425" cy="1566863"/>
-            </a:xfrm>
-            <a:custGeom>
-              <a:avLst/>
-              <a:gdLst/>
-              <a:ahLst/>
-              <a:cxnLst/>
-              <a:rect l="0" t="0" r="r" b="b"/>
-              <a:pathLst>
-                <a:path w="942" h="987">
-                  <a:moveTo>
-                    <a:pt x="0" y="0"/>
-                  </a:moveTo>
-                  <a:lnTo>
-                    <a:pt x="909" y="987"/>
-                  </a:lnTo>
-                  <a:lnTo>
-                    <a:pt x="942" y="987"/>
-                  </a:lnTo>
-                  <a:lnTo>
-                    <a:pt x="0" y="0"/>
-                  </a:lnTo>
-                  <a:close/>
-                </a:path>
-              </a:pathLst>
-            </a:custGeom>
-            <a:solidFill>
-              <a:schemeClr val="accent1">
-                <a:lumMod val="50000"/>
-              </a:schemeClr>
-            </a:solidFill>
-            <a:ln>
-              <a:noFill/>
-            </a:ln>
-          </p:spPr>
-          <p:txBody>
-            <a:bodyPr/>
-            <a:lstStyle/>
-            <a:p>
-              <a:endParaRPr lang="en-IN"/>
-            </a:p>
-          </p:txBody>
-        </p:sp>
-        <p:sp>
-          <p:nvSpPr>
-            <p:cNvPr id="16" name="Freeform 10">
-              <a:extLst>
-                <a:ext uri="{FF2B5EF4-FFF2-40B4-BE49-F238E27FC236}">
-                  <a16:creationId xmlns:a16="http://schemas.microsoft.com/office/drawing/2014/main" id="{6CCCCDF1-5D4F-4CA1-8400-DFBB96BB011D}"/>
-                </a:ext>
-                <a:ext uri="{C183D7F6-B498-43B3-948B-1728B52AA6E4}">
-                  <adec:decorative xmlns:adec="http://schemas.microsoft.com/office/drawing/2017/decorative" val="1"/>
-                </a:ext>
-              </a:extLst>
-            </p:cNvPr>
-            <p:cNvSpPr/>
-            <p:nvPr>
-              <p:extLst>
-                <p:ext uri="{386F3935-93C4-4BCD-93E2-E3B085C9AB24}">
-                  <p16:designElem xmlns:p16="http://schemas.microsoft.com/office/powerpoint/2015/main" val="1"/>
-                </p:ext>
-              </p:extLst>
-            </p:nvPr>
-          </p:nvSpPr>
-          <p:spPr bwMode="auto">
-            <a:xfrm>
-              <a:off x="1627188" y="5286375"/>
-              <a:ext cx="2130425" cy="1571625"/>
-            </a:xfrm>
-            <a:custGeom>
-              <a:avLst/>
-              <a:gdLst/>
-              <a:ahLst/>
-              <a:cxnLst/>
-              <a:rect l="0" t="0" r="r" b="b"/>
-              <a:pathLst>
-                <a:path w="1342" h="990">
-                  <a:moveTo>
-                    <a:pt x="0" y="3"/>
-                  </a:moveTo>
-                  <a:lnTo>
-                    <a:pt x="942" y="990"/>
-                  </a:lnTo>
-                  <a:lnTo>
-                    <a:pt x="1342" y="990"/>
-                  </a:lnTo>
-                  <a:lnTo>
-                    <a:pt x="156" y="27"/>
-                  </a:lnTo>
-                  <a:lnTo>
-                    <a:pt x="0" y="0"/>
-                  </a:lnTo>
-                  <a:lnTo>
-                    <a:pt x="0" y="3"/>
-                  </a:lnTo>
-                  <a:close/>
-                </a:path>
-              </a:pathLst>
-            </a:custGeom>
-            <a:solidFill>
-              <a:schemeClr val="accent1">
-                <a:lumMod val="75000"/>
-              </a:schemeClr>
-            </a:solidFill>
-            <a:ln>
-              <a:noFill/>
-            </a:ln>
-          </p:spPr>
-          <p:txBody>
-            <a:bodyPr/>
-            <a:lstStyle/>
-            <a:p>
-              <a:endParaRPr lang="en-IN"/>
-            </a:p>
-          </p:txBody>
-        </p:sp>
-        <p:sp>
-          <p:nvSpPr>
-            <p:cNvPr id="17" name="Freeform 11">
-              <a:extLst>
-                <a:ext uri="{FF2B5EF4-FFF2-40B4-BE49-F238E27FC236}">
-                  <a16:creationId xmlns:a16="http://schemas.microsoft.com/office/drawing/2014/main" id="{20A090B2-5344-43CD-BC70-A6D44F15E800}"/>
-                </a:ext>
-                <a:ext uri="{C183D7F6-B498-43B3-948B-1728B52AA6E4}">
-                  <adec:decorative xmlns:adec="http://schemas.microsoft.com/office/drawing/2017/decorative" val="1"/>
-                </a:ext>
-              </a:extLst>
-            </p:cNvPr>
-            <p:cNvSpPr/>
-            <p:nvPr>
-              <p:extLst>
-                <p:ext uri="{386F3935-93C4-4BCD-93E2-E3B085C9AB24}">
-                  <p16:designElem xmlns:p16="http://schemas.microsoft.com/office/powerpoint/2015/main" val="1"/>
-                </p:ext>
-              </p:extLst>
-            </p:nvPr>
-          </p:nvSpPr>
-          <p:spPr bwMode="auto">
-            <a:xfrm>
-              <a:off x="1320800" y="5238750"/>
-              <a:ext cx="1695450" cy="1619250"/>
-            </a:xfrm>
-            <a:custGeom>
-              <a:avLst/>
-              <a:gdLst/>
-              <a:ahLst/>
-              <a:cxnLst/>
-              <a:rect l="0" t="0" r="r" b="b"/>
-              <a:pathLst>
-                <a:path w="1068" h="1020">
-                  <a:moveTo>
-                    <a:pt x="1068" y="1020"/>
-                  </a:moveTo>
-                  <a:lnTo>
-                    <a:pt x="184" y="60"/>
-                  </a:lnTo>
-                  <a:lnTo>
-                    <a:pt x="154" y="27"/>
-                  </a:lnTo>
-                  <a:lnTo>
-                    <a:pt x="157" y="27"/>
-                  </a:lnTo>
-                  <a:lnTo>
-                    <a:pt x="157" y="24"/>
-                  </a:lnTo>
-                  <a:lnTo>
-                    <a:pt x="154" y="24"/>
-                  </a:lnTo>
-                  <a:lnTo>
-                    <a:pt x="0" y="0"/>
-                  </a:lnTo>
-                  <a:lnTo>
-                    <a:pt x="0" y="0"/>
-                  </a:lnTo>
-                  <a:lnTo>
-                    <a:pt x="774" y="1020"/>
-                  </a:lnTo>
-                  <a:lnTo>
-                    <a:pt x="1068" y="1020"/>
-                  </a:lnTo>
-                  <a:close/>
-                </a:path>
-              </a:pathLst>
-            </a:custGeom>
-            <a:solidFill>
-              <a:schemeClr val="tx1">
-                <a:lumMod val="75000"/>
-                <a:lumOff val="25000"/>
-              </a:schemeClr>
-            </a:solidFill>
-            <a:ln>
-              <a:noFill/>
-            </a:ln>
-          </p:spPr>
-          <p:txBody>
-            <a:bodyPr/>
-            <a:lstStyle/>
-            <a:p>
-              <a:endParaRPr lang="en-IN"/>
-            </a:p>
-          </p:txBody>
-        </p:sp>
-      </p:grpSp>
-      <p:sp>
-        <p:nvSpPr>
-          <p:cNvPr id="2" name="Title 1">
-            <a:extLst>
-              <a:ext uri="{FF2B5EF4-FFF2-40B4-BE49-F238E27FC236}">
-                <a16:creationId xmlns:a16="http://schemas.microsoft.com/office/drawing/2014/main" id="{6E0CFDCC-66CD-C367-D224-80D2576CBC59}"/>
-              </a:ext>
-            </a:extLst>
-          </p:cNvPr>
-          <p:cNvSpPr>
-            <a:spLocks noGrp="1"/>
-          </p:cNvSpPr>
-          <p:nvPr>
-            <p:ph type="title"/>
-          </p:nvPr>
-        </p:nvSpPr>
-        <p:spPr>
-          <a:xfrm>
-            <a:off x="643468" y="813916"/>
-            <a:ext cx="5589292" cy="1624483"/>
-          </a:xfrm>
-        </p:spPr>
-        <p:txBody>
-          <a:bodyPr>
-            <a:normAutofit/>
-          </a:bodyPr>
-          <a:lstStyle/>
-          <a:p>
-            <a:pPr algn="l"/>
-            <a:r>
-              <a:rPr lang="en-IN" dirty="0">
-                <a:latin typeface="Times New Roman" panose="02020603050405020304" pitchFamily="18" charset="0"/>
-                <a:cs typeface="Times New Roman" panose="02020603050405020304" pitchFamily="18" charset="0"/>
-              </a:rPr>
-              <a:t>Future recommendations and extensions:</a:t>
-            </a:r>
-          </a:p>
-        </p:txBody>
-      </p:sp>
-      <p:sp>
-        <p:nvSpPr>
-          <p:cNvPr id="3" name="Content Placeholder 2">
-            <a:extLst>
-              <a:ext uri="{FF2B5EF4-FFF2-40B4-BE49-F238E27FC236}">
-                <a16:creationId xmlns:a16="http://schemas.microsoft.com/office/drawing/2014/main" id="{7B4D5BE9-7CA1-731E-9EB7-4CDF62E2C7B4}"/>
-              </a:ext>
-            </a:extLst>
-          </p:cNvPr>
-          <p:cNvSpPr>
-            <a:spLocks noGrp="1"/>
-          </p:cNvSpPr>
-          <p:nvPr>
-            <p:ph idx="1"/>
-          </p:nvPr>
-        </p:nvSpPr>
-        <p:spPr>
-          <a:xfrm>
-            <a:off x="643468" y="2666999"/>
-            <a:ext cx="5695654" cy="3124201"/>
-          </a:xfrm>
-        </p:spPr>
-        <p:txBody>
-          <a:bodyPr>
-            <a:normAutofit/>
-          </a:bodyPr>
-          <a:lstStyle/>
-          <a:p>
-            <a:pPr marL="0" indent="0">
-              <a:buNone/>
-            </a:pPr>
-            <a:r>
-              <a:rPr lang="en-US" sz="2000" b="0" i="0" u="none" strike="noStrike" baseline="0" dirty="0">
-                <a:latin typeface="Times New Roman" panose="02020603050405020304" pitchFamily="18" charset="0"/>
-              </a:rPr>
-              <a:t>Future recommendations include expanding the dataset to include additional lifestyle and environmental factors, exploring advanced machine learning models for improved accuracy, and integrating real-time health data for continuous risk assessment. Further research could also focus on testing the model's generalizability across diverse populations and healthcare settings. </a:t>
-            </a:r>
-            <a:endParaRPr lang="en-IN" sz="2000" dirty="0"/>
-          </a:p>
-        </p:txBody>
-      </p:sp>
-    </p:spTree>
-    <p:extLst>
-      <p:ext uri="{BB962C8B-B14F-4D97-AF65-F5344CB8AC3E}">
-        <p14:creationId xmlns:p14="http://schemas.microsoft.com/office/powerpoint/2010/main" val="199948239"/>
-      </p:ext>
-    </p:extLst>
-  </p:cSld>
-  <p:clrMapOvr>
-    <a:masterClrMapping/>
-  </p:clrMapOvr>
-</p:sld>
-</file>
-
-<file path=ppt/slides/slide21.xml><?xml version="1.0" encoding="utf-8"?>
 <p:sld xmlns:a="http://schemas.openxmlformats.org/drawingml/2006/main" xmlns:r="http://schemas.openxmlformats.org/officeDocument/2006/relationships" xmlns:p="http://schemas.openxmlformats.org/presentationml/2006/main">
   <p:cSld>
     <p:bg>
